--- a/Notes/02_3_ShaderUniform.pptx
+++ b/Notes/02_3_ShaderUniform.pptx
@@ -217,7 +217,7 @@
           <a:p>
             <a:fld id="{1558EF9E-F90D-3644-932C-1F90C8EF183B}" type="datetimeFigureOut">
               <a:rPr kumimoji="1" lang="ko-KR" altLang="en-US" smtClean="0"/>
-              <a:t>2025. 2. 16.</a:t>
+              <a:t>2025. 2. 22.</a:t>
             </a:fld>
             <a:endParaRPr kumimoji="1" lang="ko-KR" altLang="en-US"/>
           </a:p>
@@ -935,40 +935,6 @@
             <a:endParaRPr kumimoji="1" lang="en-US" altLang="ko-KR" dirty="0"/>
           </a:p>
           <a:p>
-            <a:pPr marL="228600" indent="-228600">
-              <a:buFont typeface="+mj-lt"/>
-              <a:buAutoNum type="arabicPeriod"/>
-            </a:pPr>
-            <a:r>
-              <a:rPr kumimoji="1" lang="ko-KR" altLang="en-US" dirty="0"/>
-              <a:t>이 표준은 </a:t>
-            </a:r>
-            <a:r>
-              <a:rPr kumimoji="1" lang="en-US" altLang="ko-KR" dirty="0"/>
-              <a:t>ECMAScript </a:t>
-            </a:r>
-            <a:r>
-              <a:rPr kumimoji="1" lang="ko-KR" altLang="en-US" dirty="0" err="1"/>
-              <a:t>를</a:t>
-            </a:r>
-            <a:r>
-              <a:rPr kumimoji="1" lang="ko-KR" altLang="en-US" dirty="0"/>
-              <a:t> 기반으로 </a:t>
-            </a:r>
-            <a:r>
-              <a:rPr kumimoji="1" lang="en-US" altLang="ko-KR" dirty="0"/>
-              <a:t>2015</a:t>
-            </a:r>
-            <a:r>
-              <a:rPr kumimoji="1" lang="ko-KR" altLang="en-US" dirty="0"/>
-              <a:t>년 제안되어 사용되기 시작했습니다</a:t>
-            </a:r>
-            <a:r>
-              <a:rPr kumimoji="1" lang="en-US" altLang="ko-KR" dirty="0"/>
-              <a:t>.</a:t>
-            </a:r>
-          </a:p>
-          <a:p>
             <a:pPr marL="228600" marR="0" lvl="0" indent="-228600" algn="l" defTabSz="914400" rtl="0" eaLnBrk="1" fontAlgn="auto" latinLnBrk="1" hangingPunct="1">
               <a:lnSpc>
                 <a:spcPct val="100000"/>
@@ -1024,7 +990,7 @@
             </a:r>
             <a:r>
               <a:rPr lang="ko-KR" altLang="en-US" dirty="0"/>
-              <a:t>을 로드 </a:t>
+              <a:t>을 포함 </a:t>
             </a:r>
             <a:r>
               <a:rPr lang="en-US" altLang="ko-KR" dirty="0"/>
@@ -1708,7 +1674,7 @@
             </a:r>
             <a:r>
               <a:rPr kumimoji="1" lang="en-US" altLang="ko-KR" dirty="0"/>
-              <a:t>x = x + 1 </a:t>
+              <a:t>x = x + 2 </a:t>
             </a:r>
             <a:r>
               <a:rPr kumimoji="1" lang="ko-KR" altLang="en-US" dirty="0"/>
@@ -6685,40 +6651,6 @@
           <a:lstStyle/>
           <a:p>
             <a:r>
-              <a:rPr kumimoji="1" lang="en-US" altLang="ko-KR" dirty="0"/>
-              <a:t>JavaScript</a:t>
-            </a:r>
-            <a:r>
-              <a:rPr kumimoji="1" lang="ko-KR" altLang="en-US" dirty="0"/>
-              <a:t>의 표준 </a:t>
-            </a:r>
-            <a:r>
-              <a:rPr kumimoji="1" lang="en-US" altLang="ko-KR" dirty="0"/>
-              <a:t>specification</a:t>
-            </a:r>
-            <a:r>
-              <a:rPr kumimoji="1" lang="ko-KR" altLang="en-US" dirty="0"/>
-              <a:t>인 </a:t>
-            </a:r>
-            <a:r>
-              <a:rPr kumimoji="1" lang="en-US" altLang="ko-KR" dirty="0"/>
-              <a:t>ECMAScript</a:t>
-            </a:r>
-            <a:r>
-              <a:rPr kumimoji="1" lang="ko-KR" altLang="en-US" dirty="0" err="1"/>
-              <a:t>를</a:t>
-            </a:r>
-            <a:r>
-              <a:rPr kumimoji="1" lang="ko-KR" altLang="en-US" dirty="0"/>
-              <a:t> 기반 </a:t>
-            </a:r>
-            <a:r>
-              <a:rPr kumimoji="1" lang="en-US" altLang="ko-KR" dirty="0"/>
-              <a:t>(2015)</a:t>
-            </a:r>
-          </a:p>
-          <a:p>
-            <a:r>
               <a:rPr lang="ko-KR" altLang="en-US" dirty="0"/>
               <a:t>표준 모듈 시스템으로</a:t>
             </a:r>
@@ -6752,7 +6684,7 @@
             </a:r>
             <a:r>
               <a:rPr lang="ko-KR" altLang="en-US" dirty="0"/>
-              <a:t>을 로드하고 내보낼 수 있음</a:t>
+              <a:t>을 공유하고 포함할 수 있음</a:t>
             </a:r>
             <a:endParaRPr lang="en-US" altLang="ko-KR" dirty="0"/>
           </a:p>
@@ -6813,7 +6745,7 @@
         </p:nvSpPr>
         <p:spPr>
           <a:xfrm>
-            <a:off x="911424" y="2654845"/>
+            <a:off x="863290" y="2183374"/>
             <a:ext cx="7272808" cy="3139321"/>
           </a:xfrm>
           <a:prstGeom prst="rect">
@@ -7321,7 +7253,38 @@
                                           </p:stCondLst>
                                         </p:cTn>
                                         <p:tgtEl>
-                                          <p:spTgt spid="3">
+                                          <p:spTgt spid="8">
+                                            <p:txEl>
+                                              <p:pRg st="0" end="0"/>
+                                            </p:txEl>
+                                          </p:spTgt>
+                                        </p:tgtEl>
+                                        <p:attrNameLst>
+                                          <p:attrName>style.visibility</p:attrName>
+                                        </p:attrNameLst>
+                                      </p:cBhvr>
+                                      <p:to>
+                                        <p:strVal val="visible"/>
+                                      </p:to>
+                                    </p:set>
+                                  </p:childTnLst>
+                                </p:cTn>
+                              </p:par>
+                              <p:par>
+                                <p:cTn id="11" presetID="1" presetClass="entr" presetSubtype="0" fill="hold" nodeType="withEffect">
+                                  <p:stCondLst>
+                                    <p:cond delay="0"/>
+                                  </p:stCondLst>
+                                  <p:childTnLst>
+                                    <p:set>
+                                      <p:cBhvr>
+                                        <p:cTn id="12" dur="1" fill="hold">
+                                          <p:stCondLst>
+                                            <p:cond delay="0"/>
+                                          </p:stCondLst>
+                                        </p:cTn>
+                                        <p:tgtEl>
+                                          <p:spTgt spid="8">
                                             <p:txEl>
                                               <p:pRg st="1" end="1"/>
                                             </p:txEl>
@@ -7338,26 +7301,8 @@
                                   </p:childTnLst>
                                 </p:cTn>
                               </p:par>
-                            </p:childTnLst>
-                          </p:cTn>
-                        </p:par>
-                      </p:childTnLst>
-                    </p:cTn>
-                  </p:par>
-                  <p:par>
-                    <p:cTn id="11" fill="hold">
-                      <p:stCondLst>
-                        <p:cond delay="indefinite"/>
-                      </p:stCondLst>
-                      <p:childTnLst>
-                        <p:par>
-                          <p:cTn id="12" fill="hold">
-                            <p:stCondLst>
-                              <p:cond delay="0"/>
-                            </p:stCondLst>
-                            <p:childTnLst>
                               <p:par>
-                                <p:cTn id="13" presetID="1" presetClass="entr" presetSubtype="0" fill="hold" nodeType="clickEffect">
+                                <p:cTn id="13" presetID="1" presetClass="entr" presetSubtype="0" fill="hold" nodeType="withEffect">
                                   <p:stCondLst>
                                     <p:cond delay="0"/>
                                   </p:stCondLst>
@@ -7372,7 +7317,7 @@
                                         <p:tgtEl>
                                           <p:spTgt spid="8">
                                             <p:txEl>
-                                              <p:pRg st="0" end="0"/>
+                                              <p:pRg st="2" end="2"/>
                                             </p:txEl>
                                           </p:spTgt>
                                         </p:tgtEl>
@@ -7403,68 +7348,6 @@
                                         <p:tgtEl>
                                           <p:spTgt spid="8">
                                             <p:txEl>
-                                              <p:pRg st="1" end="1"/>
-                                            </p:txEl>
-                                          </p:spTgt>
-                                        </p:tgtEl>
-                                        <p:attrNameLst>
-                                          <p:attrName>style.visibility</p:attrName>
-                                        </p:attrNameLst>
-                                      </p:cBhvr>
-                                      <p:to>
-                                        <p:strVal val="visible"/>
-                                      </p:to>
-                                    </p:set>
-                                  </p:childTnLst>
-                                </p:cTn>
-                              </p:par>
-                              <p:par>
-                                <p:cTn id="17" presetID="1" presetClass="entr" presetSubtype="0" fill="hold" nodeType="withEffect">
-                                  <p:stCondLst>
-                                    <p:cond delay="0"/>
-                                  </p:stCondLst>
-                                  <p:childTnLst>
-                                    <p:set>
-                                      <p:cBhvr>
-                                        <p:cTn id="18" dur="1" fill="hold">
-                                          <p:stCondLst>
-                                            <p:cond delay="0"/>
-                                          </p:stCondLst>
-                                        </p:cTn>
-                                        <p:tgtEl>
-                                          <p:spTgt spid="8">
-                                            <p:txEl>
-                                              <p:pRg st="2" end="2"/>
-                                            </p:txEl>
-                                          </p:spTgt>
-                                        </p:tgtEl>
-                                        <p:attrNameLst>
-                                          <p:attrName>style.visibility</p:attrName>
-                                        </p:attrNameLst>
-                                      </p:cBhvr>
-                                      <p:to>
-                                        <p:strVal val="visible"/>
-                                      </p:to>
-                                    </p:set>
-                                  </p:childTnLst>
-                                </p:cTn>
-                              </p:par>
-                              <p:par>
-                                <p:cTn id="19" presetID="1" presetClass="entr" presetSubtype="0" fill="hold" nodeType="withEffect">
-                                  <p:stCondLst>
-                                    <p:cond delay="0"/>
-                                  </p:stCondLst>
-                                  <p:childTnLst>
-                                    <p:set>
-                                      <p:cBhvr>
-                                        <p:cTn id="20" dur="1" fill="hold">
-                                          <p:stCondLst>
-                                            <p:cond delay="0"/>
-                                          </p:stCondLst>
-                                        </p:cTn>
-                                        <p:tgtEl>
-                                          <p:spTgt spid="8">
-                                            <p:txEl>
                                               <p:pRg st="3" end="3"/>
                                             </p:txEl>
                                           </p:spTgt>
@@ -7481,14 +7364,14 @@
                                 </p:cTn>
                               </p:par>
                               <p:par>
-                                <p:cTn id="21" presetID="1" presetClass="entr" presetSubtype="0" fill="hold" grpId="0" nodeType="withEffect">
+                                <p:cTn id="17" presetID="1" presetClass="entr" presetSubtype="0" fill="hold" grpId="0" nodeType="withEffect">
                                   <p:stCondLst>
                                     <p:cond delay="0"/>
                                   </p:stCondLst>
                                   <p:childTnLst>
                                     <p:set>
                                       <p:cBhvr>
-                                        <p:cTn id="22" dur="1" fill="hold">
+                                        <p:cTn id="18" dur="1" fill="hold">
                                           <p:stCondLst>
                                             <p:cond delay="0"/>
                                           </p:stCondLst>
@@ -7516,26 +7399,26 @@
                     </p:cTn>
                   </p:par>
                   <p:par>
-                    <p:cTn id="23" fill="hold">
+                    <p:cTn id="19" fill="hold">
                       <p:stCondLst>
                         <p:cond delay="indefinite"/>
                       </p:stCondLst>
                       <p:childTnLst>
                         <p:par>
-                          <p:cTn id="24" fill="hold">
+                          <p:cTn id="20" fill="hold">
                             <p:stCondLst>
                               <p:cond delay="0"/>
                             </p:stCondLst>
                             <p:childTnLst>
                               <p:par>
-                                <p:cTn id="25" presetID="1" presetClass="entr" presetSubtype="0" fill="hold" nodeType="clickEffect">
+                                <p:cTn id="21" presetID="1" presetClass="entr" presetSubtype="0" fill="hold" nodeType="clickEffect">
                                   <p:stCondLst>
                                     <p:cond delay="0"/>
                                   </p:stCondLst>
                                   <p:childTnLst>
                                     <p:set>
                                       <p:cBhvr>
-                                        <p:cTn id="26" dur="1" fill="hold">
+                                        <p:cTn id="22" dur="1" fill="hold">
                                           <p:stCondLst>
                                             <p:cond delay="0"/>
                                           </p:stCondLst>
@@ -7559,14 +7442,14 @@
                                 </p:cTn>
                               </p:par>
                               <p:par>
-                                <p:cTn id="27" presetID="1" presetClass="entr" presetSubtype="0" fill="hold" nodeType="withEffect">
+                                <p:cTn id="23" presetID="1" presetClass="entr" presetSubtype="0" fill="hold" nodeType="withEffect">
                                   <p:stCondLst>
                                     <p:cond delay="0"/>
                                   </p:stCondLst>
                                   <p:childTnLst>
                                     <p:set>
                                       <p:cBhvr>
-                                        <p:cTn id="28" dur="1" fill="hold">
+                                        <p:cTn id="24" dur="1" fill="hold">
                                           <p:stCondLst>
                                             <p:cond delay="0"/>
                                           </p:stCondLst>
@@ -7590,14 +7473,14 @@
                                 </p:cTn>
                               </p:par>
                               <p:par>
-                                <p:cTn id="29" presetID="1" presetClass="entr" presetSubtype="0" fill="hold" nodeType="withEffect">
+                                <p:cTn id="25" presetID="1" presetClass="entr" presetSubtype="0" fill="hold" nodeType="withEffect">
                                   <p:stCondLst>
                                     <p:cond delay="0"/>
                                   </p:stCondLst>
                                   <p:childTnLst>
                                     <p:set>
                                       <p:cBhvr>
-                                        <p:cTn id="30" dur="1" fill="hold">
+                                        <p:cTn id="26" dur="1" fill="hold">
                                           <p:stCondLst>
                                             <p:cond delay="0"/>
                                           </p:stCondLst>
@@ -7627,26 +7510,26 @@
                     </p:cTn>
                   </p:par>
                   <p:par>
-                    <p:cTn id="31" fill="hold">
+                    <p:cTn id="27" fill="hold">
                       <p:stCondLst>
                         <p:cond delay="indefinite"/>
                       </p:stCondLst>
                       <p:childTnLst>
                         <p:par>
-                          <p:cTn id="32" fill="hold">
+                          <p:cTn id="28" fill="hold">
                             <p:stCondLst>
                               <p:cond delay="0"/>
                             </p:stCondLst>
                             <p:childTnLst>
                               <p:par>
-                                <p:cTn id="33" presetID="1" presetClass="entr" presetSubtype="0" fill="hold" nodeType="clickEffect">
+                                <p:cTn id="29" presetID="1" presetClass="entr" presetSubtype="0" fill="hold" nodeType="clickEffect">
                                   <p:stCondLst>
                                     <p:cond delay="0"/>
                                   </p:stCondLst>
                                   <p:childTnLst>
                                     <p:set>
                                       <p:cBhvr>
-                                        <p:cTn id="34" dur="1" fill="hold">
+                                        <p:cTn id="30" dur="1" fill="hold">
                                           <p:stCondLst>
                                             <p:cond delay="0"/>
                                           </p:stCondLst>
@@ -7670,14 +7553,14 @@
                                 </p:cTn>
                               </p:par>
                               <p:par>
-                                <p:cTn id="35" presetID="1" presetClass="entr" presetSubtype="0" fill="hold" nodeType="withEffect">
+                                <p:cTn id="31" presetID="1" presetClass="entr" presetSubtype="0" fill="hold" nodeType="withEffect">
                                   <p:stCondLst>
                                     <p:cond delay="0"/>
                                   </p:stCondLst>
                                   <p:childTnLst>
                                     <p:set>
                                       <p:cBhvr>
-                                        <p:cTn id="36" dur="1" fill="hold">
+                                        <p:cTn id="32" dur="1" fill="hold">
                                           <p:stCondLst>
                                             <p:cond delay="0"/>
                                           </p:stCondLst>
@@ -8700,7 +8583,7 @@
         </p:nvSpPr>
         <p:spPr>
           <a:xfrm>
-            <a:off x="5375920" y="4642611"/>
+            <a:off x="5375920" y="4797152"/>
             <a:ext cx="360040" cy="360040"/>
           </a:xfrm>
           <a:prstGeom prst="ellipse">
@@ -8914,11 +8797,11 @@
         <p:spPr>
           <a:xfrm flipH="1">
             <a:off x="5735960" y="2621957"/>
-            <a:ext cx="897" cy="2440678"/>
+            <a:ext cx="897" cy="2787263"/>
           </a:xfrm>
           <a:prstGeom prst="bentConnector3">
             <a:avLst>
-              <a:gd name="adj1" fmla="val -314314381"/>
+              <a:gd name="adj1" fmla="val -316202118"/>
             </a:avLst>
           </a:prstGeom>
           <a:ln>
@@ -9117,7 +9000,7 @@
         </p:nvSpPr>
         <p:spPr>
           <a:xfrm>
-            <a:off x="5375920" y="4882615"/>
+            <a:off x="5375920" y="5229200"/>
             <a:ext cx="360040" cy="360040"/>
           </a:xfrm>
           <a:prstGeom prst="ellipse">
@@ -9210,11 +9093,11 @@
         <p:spPr>
           <a:xfrm>
             <a:off x="5735960" y="3702077"/>
-            <a:ext cx="12700" cy="1120554"/>
+            <a:ext cx="12700" cy="1275095"/>
           </a:xfrm>
           <a:prstGeom prst="bentConnector3">
             <a:avLst>
-              <a:gd name="adj1" fmla="val 18600000"/>
+              <a:gd name="adj1" fmla="val 13666669"/>
             </a:avLst>
           </a:prstGeom>
           <a:ln>
@@ -9840,26 +9723,39 @@
                                   </p:childTnLst>
                                 </p:cTn>
                               </p:par>
-                            </p:childTnLst>
-                          </p:cTn>
-                        </p:par>
-                      </p:childTnLst>
-                    </p:cTn>
-                  </p:par>
-                  <p:par>
-                    <p:cTn id="35" fill="hold">
-                      <p:stCondLst>
-                        <p:cond delay="indefinite"/>
-                      </p:stCondLst>
-                      <p:childTnLst>
-                        <p:par>
-                          <p:cTn id="36" fill="hold">
-                            <p:stCondLst>
-                              <p:cond delay="0"/>
-                            </p:stCondLst>
-                            <p:childTnLst>
                               <p:par>
-                                <p:cTn id="37" presetID="1" presetClass="entr" presetSubtype="0" fill="hold" nodeType="clickEffect">
+                                <p:cTn id="35" presetID="1" presetClass="entr" presetSubtype="0" fill="hold" nodeType="withEffect">
+                                  <p:stCondLst>
+                                    <p:cond delay="0"/>
+                                  </p:stCondLst>
+                                  <p:childTnLst>
+                                    <p:set>
+                                      <p:cBhvr>
+                                        <p:cTn id="36" dur="1" fill="hold">
+                                          <p:stCondLst>
+                                            <p:cond delay="0"/>
+                                          </p:stCondLst>
+                                        </p:cTn>
+                                        <p:tgtEl>
+                                          <p:spTgt spid="6">
+                                            <p:txEl>
+                                              <p:pRg st="9" end="9"/>
+                                            </p:txEl>
+                                          </p:spTgt>
+                                        </p:tgtEl>
+                                        <p:attrNameLst>
+                                          <p:attrName>style.visibility</p:attrName>
+                                        </p:attrNameLst>
+                                      </p:cBhvr>
+                                      <p:to>
+                                        <p:strVal val="visible"/>
+                                      </p:to>
+                                    </p:set>
+                                  </p:childTnLst>
+                                </p:cTn>
+                              </p:par>
+                              <p:par>
+                                <p:cTn id="37" presetID="1" presetClass="entr" presetSubtype="0" fill="hold" nodeType="withEffect">
                                   <p:stCondLst>
                                     <p:cond delay="0"/>
                                   </p:stCondLst>
@@ -9872,11 +9768,7 @@
                                           </p:stCondLst>
                                         </p:cTn>
                                         <p:tgtEl>
-                                          <p:spTgt spid="6">
-                                            <p:txEl>
-                                              <p:pRg st="9" end="9"/>
-                                            </p:txEl>
-                                          </p:spTgt>
+                                          <p:spTgt spid="58"/>
                                         </p:tgtEl>
                                         <p:attrNameLst>
                                           <p:attrName>style.visibility</p:attrName>
@@ -9903,7 +9795,11 @@
                                           </p:stCondLst>
                                         </p:cTn>
                                         <p:tgtEl>
-                                          <p:spTgt spid="58"/>
+                                          <p:spTgt spid="6">
+                                            <p:txEl>
+                                              <p:pRg st="11" end="11"/>
+                                            </p:txEl>
+                                          </p:spTgt>
                                         </p:tgtEl>
                                         <p:attrNameLst>
                                           <p:attrName>style.visibility</p:attrName>
@@ -9925,37 +9821,6 @@
                                     <p:set>
                                       <p:cBhvr>
                                         <p:cTn id="42" dur="1" fill="hold">
-                                          <p:stCondLst>
-                                            <p:cond delay="0"/>
-                                          </p:stCondLst>
-                                        </p:cTn>
-                                        <p:tgtEl>
-                                          <p:spTgt spid="6">
-                                            <p:txEl>
-                                              <p:pRg st="11" end="11"/>
-                                            </p:txEl>
-                                          </p:spTgt>
-                                        </p:tgtEl>
-                                        <p:attrNameLst>
-                                          <p:attrName>style.visibility</p:attrName>
-                                        </p:attrNameLst>
-                                      </p:cBhvr>
-                                      <p:to>
-                                        <p:strVal val="visible"/>
-                                      </p:to>
-                                    </p:set>
-                                  </p:childTnLst>
-                                </p:cTn>
-                              </p:par>
-                              <p:par>
-                                <p:cTn id="43" presetID="1" presetClass="entr" presetSubtype="0" fill="hold" nodeType="withEffect">
-                                  <p:stCondLst>
-                                    <p:cond delay="0"/>
-                                  </p:stCondLst>
-                                  <p:childTnLst>
-                                    <p:set>
-                                      <p:cBhvr>
-                                        <p:cTn id="44" dur="1" fill="hold">
                                           <p:stCondLst>
                                             <p:cond delay="0"/>
                                           </p:stCondLst>

--- a/Notes/02_3_ShaderUniform.pptx
+++ b/Notes/02_3_ShaderUniform.pptx
@@ -5,7 +5,7 @@
     <p:sldMasterId id="2147483656" r:id="rId1"/>
   </p:sldMasterIdLst>
   <p:notesMasterIdLst>
-    <p:notesMasterId r:id="rId12"/>
+    <p:notesMasterId r:id="rId13"/>
   </p:notesMasterIdLst>
   <p:sldIdLst>
     <p:sldId id="257" r:id="rId2"/>
@@ -18,6 +18,7 @@
     <p:sldId id="326" r:id="rId9"/>
     <p:sldId id="327" r:id="rId10"/>
     <p:sldId id="321" r:id="rId11"/>
+    <p:sldId id="328" r:id="rId12"/>
   </p:sldIdLst>
   <p:sldSz cx="12192000" cy="6858000"/>
   <p:notesSz cx="6858000" cy="9144000"/>
@@ -217,7 +218,7 @@
           <a:p>
             <a:fld id="{1558EF9E-F90D-3644-932C-1F90C8EF183B}" type="datetimeFigureOut">
               <a:rPr kumimoji="1" lang="ko-KR" altLang="en-US" smtClean="0"/>
-              <a:t>2025. 2. 22.</a:t>
+              <a:t>2025. 2. 24.</a:t>
             </a:fld>
             <a:endParaRPr kumimoji="1" lang="ko-KR" altLang="en-US"/>
           </a:p>
@@ -509,14 +510,14 @@
           <a:ln/>
           <a:extLst>
             <a:ext uri="{909E8E84-426E-40dd-AFC4-6F175D3DCCD1}">
-              <a14:hiddenFill xmlns:a14="http://schemas.microsoft.com/office/drawing/2010/main" xmlns="">
+              <a14:hiddenFill xmlns="" xmlns:a14="http://schemas.microsoft.com/office/drawing/2010/main">
                 <a:solidFill>
                   <a:srgbClr val="FFFFFF"/>
                 </a:solidFill>
               </a14:hiddenFill>
             </a:ext>
             <a:ext uri="{91240B29-F687-4f45-9708-019B960494DF}">
-              <a14:hiddenLine xmlns:a14="http://schemas.microsoft.com/office/drawing/2010/main" xmlns="" w="9525">
+              <a14:hiddenLine xmlns="" xmlns:a14="http://schemas.microsoft.com/office/drawing/2010/main" w="9525">
                 <a:solidFill>
                   <a:srgbClr val="000000"/>
                 </a:solidFill>
@@ -551,14 +552,14 @@
           <a:ln/>
           <a:extLst>
             <a:ext uri="{909E8E84-426E-40dd-AFC4-6F175D3DCCD1}">
-              <a14:hiddenFill xmlns:a14="http://schemas.microsoft.com/office/drawing/2010/main" xmlns="">
+              <a14:hiddenFill xmlns="" xmlns:a14="http://schemas.microsoft.com/office/drawing/2010/main">
                 <a:solidFill>
                   <a:srgbClr val="FFFFFF"/>
                 </a:solidFill>
               </a14:hiddenFill>
             </a:ext>
             <a:ext uri="{91240B29-F687-4f45-9708-019B960494DF}">
-              <a14:hiddenLine xmlns:a14="http://schemas.microsoft.com/office/drawing/2010/main" xmlns="" w="9525">
+              <a14:hiddenLine xmlns="" xmlns:a14="http://schemas.microsoft.com/office/drawing/2010/main" w="9525">
                 <a:solidFill>
                   <a:srgbClr val="000000"/>
                 </a:solidFill>
@@ -768,6 +769,114 @@
     <p:extLst>
       <p:ext uri="{BB962C8B-B14F-4D97-AF65-F5344CB8AC3E}">
         <p14:creationId xmlns:p14="http://schemas.microsoft.com/office/powerpoint/2010/main" val="960563293"/>
+      </p:ext>
+    </p:extLst>
+  </p:cSld>
+  <p:clrMapOvr>
+    <a:masterClrMapping/>
+  </p:clrMapOvr>
+</p:notes>
+</file>
+
+<file path=ppt/notesSlides/notesSlide11.xml><?xml version="1.0" encoding="utf-8"?>
+<p:notes xmlns:a="http://schemas.openxmlformats.org/drawingml/2006/main" xmlns:r="http://schemas.openxmlformats.org/officeDocument/2006/relationships" xmlns:p="http://schemas.openxmlformats.org/presentationml/2006/main">
+  <p:cSld>
+    <p:spTree>
+      <p:nvGrpSpPr>
+        <p:cNvPr id="1" name="">
+          <a:extLst>
+            <a:ext uri="{FF2B5EF4-FFF2-40B4-BE49-F238E27FC236}">
+              <a16:creationId xmlns:a16="http://schemas.microsoft.com/office/drawing/2014/main" id="{7C1800FA-6421-CAF9-7C38-4B62AAA20047}"/>
+            </a:ext>
+          </a:extLst>
+        </p:cNvPr>
+        <p:cNvGrpSpPr/>
+        <p:nvPr/>
+      </p:nvGrpSpPr>
+      <p:grpSpPr>
+        <a:xfrm>
+          <a:off x="0" y="0"/>
+          <a:ext cx="0" cy="0"/>
+          <a:chOff x="0" y="0"/>
+          <a:chExt cx="0" cy="0"/>
+        </a:xfrm>
+      </p:grpSpPr>
+      <p:sp>
+        <p:nvSpPr>
+          <p:cNvPr id="2" name="슬라이드 이미지 개체 틀 1">
+            <a:extLst>
+              <a:ext uri="{FF2B5EF4-FFF2-40B4-BE49-F238E27FC236}">
+                <a16:creationId xmlns:a16="http://schemas.microsoft.com/office/drawing/2014/main" id="{C9FBA5CB-9C38-F1E1-F86E-F6DAB89A59FB}"/>
+              </a:ext>
+            </a:extLst>
+          </p:cNvPr>
+          <p:cNvSpPr>
+            <a:spLocks noGrp="1" noRot="1" noChangeAspect="1"/>
+          </p:cNvSpPr>
+          <p:nvPr>
+            <p:ph type="sldImg"/>
+          </p:nvPr>
+        </p:nvSpPr>
+        <p:spPr/>
+      </p:sp>
+      <p:sp>
+        <p:nvSpPr>
+          <p:cNvPr id="3" name="슬라이드 노트 개체 틀 2">
+            <a:extLst>
+              <a:ext uri="{FF2B5EF4-FFF2-40B4-BE49-F238E27FC236}">
+                <a16:creationId xmlns:a16="http://schemas.microsoft.com/office/drawing/2014/main" id="{7205612C-FA56-D28A-CF65-B5E788339CE7}"/>
+              </a:ext>
+            </a:extLst>
+          </p:cNvPr>
+          <p:cNvSpPr>
+            <a:spLocks noGrp="1"/>
+          </p:cNvSpPr>
+          <p:nvPr>
+            <p:ph type="body" idx="1"/>
+          </p:nvPr>
+        </p:nvSpPr>
+        <p:spPr/>
+        <p:txBody>
+          <a:bodyPr/>
+          <a:lstStyle/>
+          <a:p>
+            <a:endParaRPr kumimoji="1" lang="ko-KR" altLang="en-US" dirty="0"/>
+          </a:p>
+        </p:txBody>
+      </p:sp>
+      <p:sp>
+        <p:nvSpPr>
+          <p:cNvPr id="4" name="슬라이드 번호 개체 틀 3">
+            <a:extLst>
+              <a:ext uri="{FF2B5EF4-FFF2-40B4-BE49-F238E27FC236}">
+                <a16:creationId xmlns:a16="http://schemas.microsoft.com/office/drawing/2014/main" id="{5D3C1219-CC83-FAA9-436C-566C81E51329}"/>
+              </a:ext>
+            </a:extLst>
+          </p:cNvPr>
+          <p:cNvSpPr>
+            <a:spLocks noGrp="1"/>
+          </p:cNvSpPr>
+          <p:nvPr>
+            <p:ph type="sldNum" sz="quarter" idx="5"/>
+          </p:nvPr>
+        </p:nvSpPr>
+        <p:spPr/>
+        <p:txBody>
+          <a:bodyPr/>
+          <a:lstStyle/>
+          <a:p>
+            <a:fld id="{515CD10E-49FF-8C40-B7F3-CA6239B459A9}" type="slidenum">
+              <a:rPr kumimoji="1" lang="ko-KR" altLang="en-US" smtClean="0"/>
+              <a:t>11</a:t>
+            </a:fld>
+            <a:endParaRPr kumimoji="1" lang="ko-KR" altLang="en-US"/>
+          </a:p>
+        </p:txBody>
+      </p:sp>
+    </p:spTree>
+    <p:extLst>
+      <p:ext uri="{BB962C8B-B14F-4D97-AF65-F5344CB8AC3E}">
+        <p14:creationId xmlns:p14="http://schemas.microsoft.com/office/powerpoint/2010/main" val="3406664631"/>
       </p:ext>
     </p:extLst>
   </p:cSld>
@@ -6574,6 +6683,205 @@
     <p:extLst>
       <p:ext uri="{BB962C8B-B14F-4D97-AF65-F5344CB8AC3E}">
         <p14:creationId xmlns:p14="http://schemas.microsoft.com/office/powerpoint/2010/main" val="1219502392"/>
+      </p:ext>
+    </p:extLst>
+  </p:cSld>
+  <p:clrMapOvr>
+    <a:masterClrMapping/>
+  </p:clrMapOvr>
+</p:sld>
+</file>
+
+<file path=ppt/slides/slide11.xml><?xml version="1.0" encoding="utf-8"?>
+<p:sld xmlns:a="http://schemas.openxmlformats.org/drawingml/2006/main" xmlns:r="http://schemas.openxmlformats.org/officeDocument/2006/relationships" xmlns:p="http://schemas.openxmlformats.org/presentationml/2006/main">
+  <p:cSld>
+    <p:spTree>
+      <p:nvGrpSpPr>
+        <p:cNvPr id="1" name="">
+          <a:extLst>
+            <a:ext uri="{FF2B5EF4-FFF2-40B4-BE49-F238E27FC236}">
+              <a16:creationId xmlns:a16="http://schemas.microsoft.com/office/drawing/2014/main" id="{CEE123D7-B785-4E5F-DD27-5F669B74C79B}"/>
+            </a:ext>
+          </a:extLst>
+        </p:cNvPr>
+        <p:cNvGrpSpPr/>
+        <p:nvPr/>
+      </p:nvGrpSpPr>
+      <p:grpSpPr>
+        <a:xfrm>
+          <a:off x="0" y="0"/>
+          <a:ext cx="0" cy="0"/>
+          <a:chOff x="0" y="0"/>
+          <a:chExt cx="0" cy="0"/>
+        </a:xfrm>
+      </p:grpSpPr>
+      <p:sp>
+        <p:nvSpPr>
+          <p:cNvPr id="2" name="제목 1">
+            <a:extLst>
+              <a:ext uri="{FF2B5EF4-FFF2-40B4-BE49-F238E27FC236}">
+                <a16:creationId xmlns:a16="http://schemas.microsoft.com/office/drawing/2014/main" id="{E8E50043-349B-5549-8462-A0725EC6FD5F}"/>
+              </a:ext>
+            </a:extLst>
+          </p:cNvPr>
+          <p:cNvSpPr>
+            <a:spLocks noGrp="1"/>
+          </p:cNvSpPr>
+          <p:nvPr>
+            <p:ph type="title"/>
+          </p:nvPr>
+        </p:nvSpPr>
+        <p:spPr/>
+        <p:txBody>
+          <a:bodyPr/>
+          <a:lstStyle/>
+          <a:p>
+            <a:r>
+              <a:rPr kumimoji="1" lang="en-US" altLang="ko-KR" dirty="0"/>
+              <a:t>Program 06_FlipTriangle</a:t>
+            </a:r>
+            <a:endParaRPr kumimoji="1" lang="ko-KR" altLang="en-US" dirty="0"/>
+          </a:p>
+        </p:txBody>
+      </p:sp>
+      <p:sp>
+        <p:nvSpPr>
+          <p:cNvPr id="3" name="내용 개체 틀 2">
+            <a:extLst>
+              <a:ext uri="{FF2B5EF4-FFF2-40B4-BE49-F238E27FC236}">
+                <a16:creationId xmlns:a16="http://schemas.microsoft.com/office/drawing/2014/main" id="{686EC1B5-DCA4-7B71-C3F0-42E6FB8B0E77}"/>
+              </a:ext>
+            </a:extLst>
+          </p:cNvPr>
+          <p:cNvSpPr>
+            <a:spLocks noGrp="1"/>
+          </p:cNvSpPr>
+          <p:nvPr>
+            <p:ph idx="1"/>
+          </p:nvPr>
+        </p:nvSpPr>
+        <p:spPr>
+          <a:xfrm>
+            <a:off x="5540072" y="1435087"/>
+            <a:ext cx="6002687" cy="4392489"/>
+          </a:xfrm>
+        </p:spPr>
+        <p:txBody>
+          <a:bodyPr/>
+          <a:lstStyle/>
+          <a:p>
+            <a:pPr>
+              <a:lnSpc>
+                <a:spcPts val="2700"/>
+              </a:lnSpc>
+            </a:pPr>
+            <a:r>
+              <a:rPr lang="en-US" altLang="ko-KR" sz="2400" b="0" dirty="0">
+                <a:solidFill>
+                  <a:srgbClr val="676E95"/>
+                </a:solidFill>
+                <a:effectLst/>
+                <a:ea typeface="Tahoma" panose="020B0604030504040204" pitchFamily="34" charset="0"/>
+              </a:rPr>
+              <a:t>Change the color of the triangle by keyboard input: 'r' for red, 'g' for green, 'b' for blue</a:t>
+            </a:r>
+            <a:endParaRPr lang="en-US" altLang="ko-KR" sz="2400" b="0" dirty="0">
+              <a:solidFill>
+                <a:srgbClr val="BFC7D5"/>
+              </a:solidFill>
+              <a:effectLst/>
+              <a:ea typeface="Tahoma" panose="020B0604030504040204" pitchFamily="34" charset="0"/>
+            </a:endParaRPr>
+          </a:p>
+          <a:p>
+            <a:pPr>
+              <a:lnSpc>
+                <a:spcPts val="2700"/>
+              </a:lnSpc>
+            </a:pPr>
+            <a:r>
+              <a:rPr lang="en-US" altLang="ko-KR" sz="2400" b="0" dirty="0">
+                <a:solidFill>
+                  <a:srgbClr val="676E95"/>
+                </a:solidFill>
+                <a:effectLst/>
+                <a:ea typeface="Tahoma" panose="020B0604030504040204" pitchFamily="34" charset="0"/>
+              </a:rPr>
+              <a:t>Flip the triangle vertically by keyboard input 'f' </a:t>
+            </a:r>
+            <a:endParaRPr lang="en-US" altLang="ko-KR" sz="2400" b="0" dirty="0">
+              <a:solidFill>
+                <a:srgbClr val="BFC7D5"/>
+              </a:solidFill>
+              <a:effectLst/>
+              <a:ea typeface="Tahoma" panose="020B0604030504040204" pitchFamily="34" charset="0"/>
+            </a:endParaRPr>
+          </a:p>
+        </p:txBody>
+      </p:sp>
+      <p:sp>
+        <p:nvSpPr>
+          <p:cNvPr id="4" name="슬라이드 번호 개체 틀 3">
+            <a:extLst>
+              <a:ext uri="{FF2B5EF4-FFF2-40B4-BE49-F238E27FC236}">
+                <a16:creationId xmlns:a16="http://schemas.microsoft.com/office/drawing/2014/main" id="{E3B31DE6-E3F8-7D90-2762-2604D648E2BA}"/>
+              </a:ext>
+            </a:extLst>
+          </p:cNvPr>
+          <p:cNvSpPr>
+            <a:spLocks noGrp="1"/>
+          </p:cNvSpPr>
+          <p:nvPr>
+            <p:ph type="sldNum" sz="quarter" idx="12"/>
+          </p:nvPr>
+        </p:nvSpPr>
+        <p:spPr/>
+        <p:txBody>
+          <a:bodyPr/>
+          <a:lstStyle/>
+          <a:p>
+            <a:fld id="{4BEDD84E-25D4-4983-8AA1-2863C96F08D9}" type="slidenum">
+              <a:rPr lang="ko-KR" altLang="en-US" smtClean="0"/>
+              <a:t>11</a:t>
+            </a:fld>
+            <a:endParaRPr lang="ko-KR" altLang="en-US"/>
+          </a:p>
+        </p:txBody>
+      </p:sp>
+      <p:pic>
+        <p:nvPicPr>
+          <p:cNvPr id="8" name="그림 7">
+            <a:extLst>
+              <a:ext uri="{FF2B5EF4-FFF2-40B4-BE49-F238E27FC236}">
+                <a16:creationId xmlns:a16="http://schemas.microsoft.com/office/drawing/2014/main" id="{58C7FCF5-D413-0798-1B1C-F9AE0B811513}"/>
+              </a:ext>
+            </a:extLst>
+          </p:cNvPr>
+          <p:cNvPicPr>
+            <a:picLocks noChangeAspect="1"/>
+          </p:cNvPicPr>
+          <p:nvPr/>
+        </p:nvPicPr>
+        <p:blipFill>
+          <a:blip r:embed="rId3"/>
+          <a:stretch>
+            <a:fillRect/>
+          </a:stretch>
+        </p:blipFill>
+        <p:spPr>
+          <a:xfrm>
+            <a:off x="677345" y="1318456"/>
+            <a:ext cx="4725144" cy="4725144"/>
+          </a:xfrm>
+          <a:prstGeom prst="rect">
+            <a:avLst/>
+          </a:prstGeom>
+        </p:spPr>
+      </p:pic>
+    </p:spTree>
+    <p:extLst>
+      <p:ext uri="{BB962C8B-B14F-4D97-AF65-F5344CB8AC3E}">
+        <p14:creationId xmlns:p14="http://schemas.microsoft.com/office/powerpoint/2010/main" val="1511999486"/>
       </p:ext>
     </p:extLst>
   </p:cSld>
